--- a/Output.pptx
+++ b/Output.pptx
@@ -7,7 +7,7 @@
   <p:sldIdLst>
     <p:sldId id="256" r:id="rId7"/>
   </p:sldIdLst>
-  <p:sldSz cx="14630400" cy="8229600" type="screen4x3"/>
+  <p:sldSz cx="15247620" cy="7520940" type="screen4x3"/>
   <p:notesSz cx="6858000" cy="9144000"/>
   <p:defaultTextStyle>
     <a:defPPr>
@@ -3132,7 +3132,7 @@
       </p:sp>
       <p:pic>
         <p:nvPicPr>
-          <p:cNvPr id="4" name="Picture 3" descr="logo.png"/>
+          <p:cNvPr id="4" name="Picture 3" descr="back.png"/>
           <p:cNvPicPr>
             <a:picLocks noChangeAspect="1"/>
           </p:cNvPicPr>
@@ -3147,7 +3147,7 @@
         <p:spPr>
           <a:xfrm>
             <a:off x="0" y="0"/>
-            <a:ext cx="5080000" cy="2540000"/>
+            <a:ext cx="15240000" cy="7518400"/>
           </a:xfrm>
           <a:prstGeom prst="rect">
             <a:avLst/>
